--- a/Work_flow.pptx
+++ b/Work_flow.pptx
@@ -9,7 +9,8 @@
     <p:sldId id="257" r:id="rId3"/>
     <p:sldId id="259" r:id="rId4"/>
     <p:sldId id="260" r:id="rId5"/>
-    <p:sldId id="258" r:id="rId6"/>
+    <p:sldId id="261" r:id="rId6"/>
+    <p:sldId id="258" r:id="rId7"/>
   </p:sldIdLst>
   <p:sldSz cx="9144000" cy="6858000" type="screen4x3"/>
   <p:notesSz cx="6858000" cy="9144000"/>
@@ -4152,7 +4153,7 @@
         <p:spPr>
           <a:xfrm>
             <a:off x="755576" y="1340768"/>
-            <a:ext cx="8136904" cy="4131900"/>
+            <a:ext cx="8136904" cy="4685898"/>
           </a:xfrm>
           <a:prstGeom prst="rect">
             <a:avLst/>
@@ -4354,7 +4355,59 @@
             </a:r>
           </a:p>
           <a:p>
-            <a:endParaRPr lang="en-US">
+            <a:endParaRPr lang="en-US" dirty="0">
+              <a:ea typeface="Linux Libertine O" pitchFamily="2" charset="0"/>
+              <a:cs typeface="Linux Libertine O" pitchFamily="2" charset="0"/>
+            </a:endParaRPr>
+          </a:p>
+          <a:p>
+            <a:r>
+              <a:rPr lang="en-US" dirty="0" smtClean="0">
+                <a:ea typeface="Linux Libertine O" pitchFamily="2" charset="0"/>
+                <a:cs typeface="Linux Libertine O" pitchFamily="2" charset="0"/>
+              </a:rPr>
+              <a:t>Additionally all rows where </a:t>
+            </a:r>
+            <a:r>
+              <a:rPr lang="en-US" dirty="0" smtClean="0">
+                <a:solidFill>
+                  <a:srgbClr val="0070C0"/>
+                </a:solidFill>
+                <a:ea typeface="Linux Libertine O" pitchFamily="2" charset="0"/>
+                <a:cs typeface="Linux Libertine O" pitchFamily="2" charset="0"/>
+              </a:rPr>
+              <a:t>T&lt;300 or </a:t>
+            </a:r>
+            <a:r>
+              <a:rPr lang="en-US" dirty="0" err="1" smtClean="0">
+                <a:solidFill>
+                  <a:srgbClr val="0070C0"/>
+                </a:solidFill>
+                <a:ea typeface="Linux Libertine O" pitchFamily="2" charset="0"/>
+                <a:cs typeface="Linux Libertine O" pitchFamily="2" charset="0"/>
+              </a:rPr>
+              <a:t>f_Bilger</a:t>
+            </a:r>
+            <a:r>
+              <a:rPr lang="en-US" dirty="0" smtClean="0">
+                <a:solidFill>
+                  <a:srgbClr val="0070C0"/>
+                </a:solidFill>
+                <a:ea typeface="Linux Libertine O" pitchFamily="2" charset="0"/>
+                <a:cs typeface="Linux Libertine O" pitchFamily="2" charset="0"/>
+              </a:rPr>
+              <a:t> == 0 </a:t>
+            </a:r>
+            <a:r>
+              <a:rPr lang="en-US" dirty="0" smtClean="0">
+                <a:ea typeface="Linux Libertine O" pitchFamily="2" charset="0"/>
+                <a:cs typeface="Linux Libertine O" pitchFamily="2" charset="0"/>
+              </a:rPr>
+              <a:t>are removed from the database.</a:t>
+            </a:r>
+          </a:p>
+          <a:p>
+            <a:endParaRPr lang="en-US" dirty="0">
               <a:ea typeface="Linux Libertine O" pitchFamily="2" charset="0"/>
               <a:cs typeface="Linux Libertine O" pitchFamily="2" charset="0"/>
             </a:endParaRPr>
@@ -4404,6 +4457,204 @@
 </file>
 
 <file path=ppt/slides/slide5.xml><?xml version="1.0" encoding="utf-8"?>
+<p:sld xmlns:a="http://schemas.openxmlformats.org/drawingml/2006/main" xmlns:r="http://schemas.openxmlformats.org/officeDocument/2006/relationships" xmlns:p="http://schemas.openxmlformats.org/presentationml/2006/main">
+  <p:cSld>
+    <p:spTree>
+      <p:nvGrpSpPr>
+        <p:cNvPr id="1" name=""/>
+        <p:cNvGrpSpPr/>
+        <p:nvPr/>
+      </p:nvGrpSpPr>
+      <p:grpSpPr>
+        <a:xfrm>
+          <a:off x="0" y="0"/>
+          <a:ext cx="0" cy="0"/>
+          <a:chOff x="0" y="0"/>
+          <a:chExt cx="0" cy="0"/>
+        </a:xfrm>
+      </p:grpSpPr>
+      <p:sp>
+        <p:nvSpPr>
+          <p:cNvPr id="2" name="Titel 1"/>
+          <p:cNvSpPr>
+            <a:spLocks noGrp="1"/>
+          </p:cNvSpPr>
+          <p:nvPr>
+            <p:ph type="ctrTitle"/>
+          </p:nvPr>
+        </p:nvSpPr>
+        <p:spPr>
+          <a:xfrm>
+            <a:off x="685800" y="404665"/>
+            <a:ext cx="7772400" cy="1008112"/>
+          </a:xfrm>
+        </p:spPr>
+        <p:txBody>
+          <a:bodyPr>
+            <a:normAutofit/>
+          </a:bodyPr>
+          <a:lstStyle/>
+          <a:p>
+            <a:pPr algn="l"/>
+            <a:r>
+              <a:rPr lang="en-US" sz="3000" dirty="0"/>
+              <a:t>4</a:t>
+            </a:r>
+            <a:r>
+              <a:rPr lang="en-US" sz="3000" dirty="0" smtClean="0"/>
+              <a:t>. Step: Pre-processing the data</a:t>
+            </a:r>
+            <a:endParaRPr lang="en-US" sz="3000" dirty="0"/>
+          </a:p>
+        </p:txBody>
+      </p:sp>
+      <p:sp>
+        <p:nvSpPr>
+          <p:cNvPr id="4" name="Textfeld 3"/>
+          <p:cNvSpPr txBox="1"/>
+          <p:nvPr/>
+        </p:nvSpPr>
+        <p:spPr>
+          <a:xfrm>
+            <a:off x="755576" y="1340768"/>
+            <a:ext cx="8136904" cy="3023905"/>
+          </a:xfrm>
+          <a:prstGeom prst="rect">
+            <a:avLst/>
+          </a:prstGeom>
+          <a:noFill/>
+        </p:spPr>
+        <p:txBody>
+          <a:bodyPr wrap="square" rtlCol="0">
+            <a:spAutoFit/>
+          </a:bodyPr>
+          <a:lstStyle/>
+          <a:p>
+            <a:r>
+              <a:rPr lang="en-US" dirty="0" smtClean="0">
+                <a:ea typeface="Linux Libertine O" pitchFamily="2" charset="0"/>
+                <a:cs typeface="Linux Libertine O" pitchFamily="2" charset="0"/>
+              </a:rPr>
+              <a:t>Necessary steps are:</a:t>
+            </a:r>
+          </a:p>
+          <a:p>
+            <a:pPr marL="285750" indent="-285750">
+              <a:buFont typeface="Arial" pitchFamily="34" charset="0"/>
+              <a:buChar char="•"/>
+            </a:pPr>
+            <a:r>
+              <a:rPr lang="en-US" dirty="0" smtClean="0">
+                <a:ea typeface="Linux Libertine O" pitchFamily="2" charset="0"/>
+                <a:cs typeface="Linux Libertine O" pitchFamily="2" charset="0"/>
+              </a:rPr>
+              <a:t>Scaling</a:t>
+            </a:r>
+          </a:p>
+          <a:p>
+            <a:pPr marL="285750" indent="-285750">
+              <a:buFont typeface="Arial" pitchFamily="34" charset="0"/>
+              <a:buChar char="•"/>
+            </a:pPr>
+            <a:r>
+              <a:rPr lang="en-US" dirty="0" smtClean="0">
+                <a:ea typeface="Linux Libertine O" pitchFamily="2" charset="0"/>
+                <a:cs typeface="Linux Libertine O" pitchFamily="2" charset="0"/>
+              </a:rPr>
+              <a:t>Transforming</a:t>
+            </a:r>
+          </a:p>
+          <a:p>
+            <a:pPr marL="285750" indent="-285750">
+              <a:buFont typeface="Arial" pitchFamily="34" charset="0"/>
+              <a:buChar char="•"/>
+            </a:pPr>
+            <a:r>
+              <a:rPr lang="en-US" dirty="0" smtClean="0">
+                <a:ea typeface="Linux Libertine O" pitchFamily="2" charset="0"/>
+                <a:cs typeface="Linux Libertine O" pitchFamily="2" charset="0"/>
+              </a:rPr>
+              <a:t>Splitting</a:t>
+            </a:r>
+          </a:p>
+          <a:p>
+            <a:pPr marL="285750" indent="-285750">
+              <a:buFont typeface="Arial" pitchFamily="34" charset="0"/>
+              <a:buChar char="•"/>
+            </a:pPr>
+            <a:r>
+              <a:rPr lang="en-US" dirty="0" smtClean="0">
+                <a:ea typeface="Linux Libertine O" pitchFamily="2" charset="0"/>
+                <a:cs typeface="Linux Libertine O" pitchFamily="2" charset="0"/>
+              </a:rPr>
+              <a:t>Batch training</a:t>
+            </a:r>
+          </a:p>
+          <a:p>
+            <a:pPr marL="285750" indent="-285750">
+              <a:buFont typeface="Arial" pitchFamily="34" charset="0"/>
+              <a:buChar char="•"/>
+            </a:pPr>
+            <a:endParaRPr lang="en-US">
+              <a:ea typeface="Linux Libertine O" pitchFamily="2" charset="0"/>
+              <a:cs typeface="Linux Libertine O" pitchFamily="2" charset="0"/>
+            </a:endParaRPr>
+          </a:p>
+          <a:p>
+            <a:pPr marL="285750" indent="-285750">
+              <a:buFont typeface="Arial" pitchFamily="34" charset="0"/>
+              <a:buChar char="•"/>
+            </a:pPr>
+            <a:endParaRPr lang="en-US" dirty="0">
+              <a:ea typeface="Linux Libertine O" pitchFamily="2" charset="0"/>
+              <a:cs typeface="Linux Libertine O" pitchFamily="2" charset="0"/>
+            </a:endParaRPr>
+          </a:p>
+          <a:p>
+            <a:endParaRPr lang="en-US" dirty="0" smtClean="0">
+              <a:ea typeface="Linux Libertine O" pitchFamily="2" charset="0"/>
+              <a:cs typeface="Linux Libertine O" pitchFamily="2" charset="0"/>
+            </a:endParaRPr>
+          </a:p>
+          <a:p>
+            <a:endParaRPr lang="en-US" dirty="0" smtClean="0">
+              <a:solidFill>
+                <a:srgbClr val="0070C0"/>
+              </a:solidFill>
+              <a:ea typeface="Linux Libertine O" pitchFamily="2" charset="0"/>
+              <a:cs typeface="Linux Libertine O" pitchFamily="2" charset="0"/>
+            </a:endParaRPr>
+          </a:p>
+          <a:p>
+            <a:endParaRPr lang="en-US" dirty="0" smtClean="0">
+              <a:latin typeface="+mj-lt"/>
+              <a:ea typeface="Linux Libertine O" pitchFamily="2" charset="0"/>
+              <a:cs typeface="Linux Libertine O" pitchFamily="2" charset="0"/>
+            </a:endParaRPr>
+          </a:p>
+          <a:p>
+            <a:endParaRPr lang="en-US" sz="1050" dirty="0" smtClean="0">
+              <a:latin typeface="+mj-lt"/>
+              <a:ea typeface="Linux Libertine O" pitchFamily="2" charset="0"/>
+              <a:cs typeface="Linux Libertine O" pitchFamily="2" charset="0"/>
+            </a:endParaRPr>
+          </a:p>
+        </p:txBody>
+      </p:sp>
+    </p:spTree>
+    <p:extLst>
+      <p:ext uri="{BB962C8B-B14F-4D97-AF65-F5344CB8AC3E}">
+        <p14:creationId xmlns:p14="http://schemas.microsoft.com/office/powerpoint/2010/main" val="1326766749"/>
+      </p:ext>
+    </p:extLst>
+  </p:cSld>
+  <p:clrMapOvr>
+    <a:masterClrMapping/>
+  </p:clrMapOvr>
+</p:sld>
+</file>
+
+<file path=ppt/slides/slide6.xml><?xml version="1.0" encoding="utf-8"?>
 <p:sld xmlns:a="http://schemas.openxmlformats.org/drawingml/2006/main" xmlns:r="http://schemas.openxmlformats.org/officeDocument/2006/relationships" xmlns:p="http://schemas.openxmlformats.org/presentationml/2006/main">
   <p:cSld>
     <p:spTree>

--- a/Work_flow.pptx
+++ b/Work_flow.pptx
@@ -293,7 +293,7 @@
           <a:p>
             <a:fld id="{7A2947EE-6531-4DC0-8263-4675DD86955B}" type="datetimeFigureOut">
               <a:rPr lang="en-US" smtClean="0"/>
-              <a:t>6/19/2019</a:t>
+              <a:t>8/21/2019</a:t>
             </a:fld>
             <a:endParaRPr lang="en-US"/>
           </a:p>
@@ -463,7 +463,7 @@
           <a:p>
             <a:fld id="{7A2947EE-6531-4DC0-8263-4675DD86955B}" type="datetimeFigureOut">
               <a:rPr lang="en-US" smtClean="0"/>
-              <a:t>6/19/2019</a:t>
+              <a:t>8/21/2019</a:t>
             </a:fld>
             <a:endParaRPr lang="en-US"/>
           </a:p>
@@ -643,7 +643,7 @@
           <a:p>
             <a:fld id="{7A2947EE-6531-4DC0-8263-4675DD86955B}" type="datetimeFigureOut">
               <a:rPr lang="en-US" smtClean="0"/>
-              <a:t>6/19/2019</a:t>
+              <a:t>8/21/2019</a:t>
             </a:fld>
             <a:endParaRPr lang="en-US"/>
           </a:p>
@@ -813,7 +813,7 @@
           <a:p>
             <a:fld id="{7A2947EE-6531-4DC0-8263-4675DD86955B}" type="datetimeFigureOut">
               <a:rPr lang="en-US" smtClean="0"/>
-              <a:t>6/19/2019</a:t>
+              <a:t>8/21/2019</a:t>
             </a:fld>
             <a:endParaRPr lang="en-US"/>
           </a:p>
@@ -1059,7 +1059,7 @@
           <a:p>
             <a:fld id="{7A2947EE-6531-4DC0-8263-4675DD86955B}" type="datetimeFigureOut">
               <a:rPr lang="en-US" smtClean="0"/>
-              <a:t>6/19/2019</a:t>
+              <a:t>8/21/2019</a:t>
             </a:fld>
             <a:endParaRPr lang="en-US"/>
           </a:p>
@@ -1347,7 +1347,7 @@
           <a:p>
             <a:fld id="{7A2947EE-6531-4DC0-8263-4675DD86955B}" type="datetimeFigureOut">
               <a:rPr lang="en-US" smtClean="0"/>
-              <a:t>6/19/2019</a:t>
+              <a:t>8/21/2019</a:t>
             </a:fld>
             <a:endParaRPr lang="en-US"/>
           </a:p>
@@ -1769,7 +1769,7 @@
           <a:p>
             <a:fld id="{7A2947EE-6531-4DC0-8263-4675DD86955B}" type="datetimeFigureOut">
               <a:rPr lang="en-US" smtClean="0"/>
-              <a:t>6/19/2019</a:t>
+              <a:t>8/21/2019</a:t>
             </a:fld>
             <a:endParaRPr lang="en-US"/>
           </a:p>
@@ -1887,7 +1887,7 @@
           <a:p>
             <a:fld id="{7A2947EE-6531-4DC0-8263-4675DD86955B}" type="datetimeFigureOut">
               <a:rPr lang="en-US" smtClean="0"/>
-              <a:t>6/19/2019</a:t>
+              <a:t>8/21/2019</a:t>
             </a:fld>
             <a:endParaRPr lang="en-US"/>
           </a:p>
@@ -1982,7 +1982,7 @@
           <a:p>
             <a:fld id="{7A2947EE-6531-4DC0-8263-4675DD86955B}" type="datetimeFigureOut">
               <a:rPr lang="en-US" smtClean="0"/>
-              <a:t>6/19/2019</a:t>
+              <a:t>8/21/2019</a:t>
             </a:fld>
             <a:endParaRPr lang="en-US"/>
           </a:p>
@@ -2259,7 +2259,7 @@
           <a:p>
             <a:fld id="{7A2947EE-6531-4DC0-8263-4675DD86955B}" type="datetimeFigureOut">
               <a:rPr lang="en-US" smtClean="0"/>
-              <a:t>6/19/2019</a:t>
+              <a:t>8/21/2019</a:t>
             </a:fld>
             <a:endParaRPr lang="en-US"/>
           </a:p>
@@ -2512,7 +2512,7 @@
           <a:p>
             <a:fld id="{7A2947EE-6531-4DC0-8263-4675DD86955B}" type="datetimeFigureOut">
               <a:rPr lang="en-US" smtClean="0"/>
-              <a:t>6/19/2019</a:t>
+              <a:t>8/21/2019</a:t>
             </a:fld>
             <a:endParaRPr lang="en-US"/>
           </a:p>
@@ -2725,7 +2725,7 @@
           <a:p>
             <a:fld id="{7A2947EE-6531-4DC0-8263-4675DD86955B}" type="datetimeFigureOut">
               <a:rPr lang="en-US" smtClean="0"/>
-              <a:t>6/19/2019</a:t>
+              <a:t>8/21/2019</a:t>
             </a:fld>
             <a:endParaRPr lang="en-US"/>
           </a:p>
@@ -4138,7 +4138,19 @@
             <a:pPr algn="l"/>
             <a:r>
               <a:rPr lang="en-US" sz="3000" dirty="0" smtClean="0"/>
-              <a:t>3. Step: Filter and shuffle the data base</a:t>
+              <a:t>3. Step: </a:t>
+            </a:r>
+            <a:r>
+              <a:rPr lang="en-US" sz="3000" dirty="0" smtClean="0"/>
+              <a:t>Filter</a:t>
+            </a:r>
+            <a:r>
+              <a:rPr lang="en-US" sz="3000" smtClean="0"/>
+              <a:t>, resample </a:t>
+            </a:r>
+            <a:r>
+              <a:rPr lang="en-US" sz="3000" dirty="0" smtClean="0"/>
+              <a:t>and shuffle the data base</a:t>
             </a:r>
             <a:endParaRPr lang="en-US" sz="3000" dirty="0"/>
           </a:p>
@@ -4517,7 +4529,7 @@
         <p:spPr>
           <a:xfrm>
             <a:off x="755576" y="1340768"/>
-            <a:ext cx="8136904" cy="3023905"/>
+            <a:ext cx="8136904" cy="3300904"/>
           </a:xfrm>
           <a:prstGeom prst="rect">
             <a:avLst/>
@@ -4548,8 +4560,12 @@
                 <a:ea typeface="Linux Libertine O" pitchFamily="2" charset="0"/>
                 <a:cs typeface="Linux Libertine O" pitchFamily="2" charset="0"/>
               </a:rPr>
-              <a:t>Scaling</a:t>
-            </a:r>
+              <a:t>Scaling		DONE</a:t>
+            </a:r>
+            <a:endParaRPr lang="en-US" dirty="0" smtClean="0">
+              <a:ea typeface="Linux Libertine O" pitchFamily="2" charset="0"/>
+              <a:cs typeface="Linux Libertine O" pitchFamily="2" charset="0"/>
+            </a:endParaRPr>
           </a:p>
           <a:p>
             <a:pPr marL="285750" indent="-285750">
@@ -4561,8 +4577,12 @@
                 <a:ea typeface="Linux Libertine O" pitchFamily="2" charset="0"/>
                 <a:cs typeface="Linux Libertine O" pitchFamily="2" charset="0"/>
               </a:rPr>
-              <a:t>Transforming</a:t>
-            </a:r>
+              <a:t>Transforming		DONE</a:t>
+            </a:r>
+            <a:endParaRPr lang="en-US" dirty="0" smtClean="0">
+              <a:ea typeface="Linux Libertine O" pitchFamily="2" charset="0"/>
+              <a:cs typeface="Linux Libertine O" pitchFamily="2" charset="0"/>
+            </a:endParaRPr>
           </a:p>
           <a:p>
             <a:pPr marL="285750" indent="-285750">
@@ -4574,8 +4594,12 @@
                 <a:ea typeface="Linux Libertine O" pitchFamily="2" charset="0"/>
                 <a:cs typeface="Linux Libertine O" pitchFamily="2" charset="0"/>
               </a:rPr>
-              <a:t>Splitting</a:t>
-            </a:r>
+              <a:t>Splitting		DONE</a:t>
+            </a:r>
+            <a:endParaRPr lang="en-US" dirty="0" smtClean="0">
+              <a:ea typeface="Linux Libertine O" pitchFamily="2" charset="0"/>
+              <a:cs typeface="Linux Libertine O" pitchFamily="2" charset="0"/>
+            </a:endParaRPr>
           </a:p>
           <a:p>
             <a:pPr marL="285750" indent="-285750">
@@ -4587,7 +4611,14 @@
                 <a:ea typeface="Linux Libertine O" pitchFamily="2" charset="0"/>
                 <a:cs typeface="Linux Libertine O" pitchFamily="2" charset="0"/>
               </a:rPr>
-              <a:t>Batch training</a:t>
+              <a:t>Batch </a:t>
+            </a:r>
+            <a:r>
+              <a:rPr lang="en-US" dirty="0" smtClean="0">
+                <a:ea typeface="Linux Libertine O" pitchFamily="2" charset="0"/>
+                <a:cs typeface="Linux Libertine O" pitchFamily="2" charset="0"/>
+              </a:rPr>
+              <a:t>training		DONE</a:t>
             </a:r>
           </a:p>
           <a:p>
@@ -4595,7 +4626,24 @@
               <a:buFont typeface="Arial" pitchFamily="34" charset="0"/>
               <a:buChar char="•"/>
             </a:pPr>
-            <a:endParaRPr lang="en-US">
+            <a:r>
+              <a:rPr lang="en-US" dirty="0" smtClean="0">
+                <a:ea typeface="Linux Libertine O" pitchFamily="2" charset="0"/>
+                <a:cs typeface="Linux Libertine O" pitchFamily="2" charset="0"/>
+              </a:rPr>
+              <a:t>Learning Rate</a:t>
+            </a:r>
+            <a:endParaRPr lang="en-US" dirty="0" smtClean="0">
+              <a:ea typeface="Linux Libertine O" pitchFamily="2" charset="0"/>
+              <a:cs typeface="Linux Libertine O" pitchFamily="2" charset="0"/>
+            </a:endParaRPr>
+          </a:p>
+          <a:p>
+            <a:pPr marL="285750" indent="-285750">
+              <a:buFont typeface="Arial" pitchFamily="34" charset="0"/>
+              <a:buChar char="•"/>
+            </a:pPr>
+            <a:endParaRPr lang="en-US" dirty="0">
               <a:ea typeface="Linux Libertine O" pitchFamily="2" charset="0"/>
               <a:cs typeface="Linux Libertine O" pitchFamily="2" charset="0"/>
             </a:endParaRPr>
